--- a/プレゼンテーション1.pptx
+++ b/プレゼンテーション1.pptx
@@ -3631,8 +3631,15 @@
           <a:lstStyle/>
           <a:p>
             <a:r>
-              <a:rPr kumimoji="1" lang="en-US" altLang="ja-JP" dirty="0"/>
-              <a:t>TTTGGGGOOOO</a:t>
+              <a:rPr kumimoji="1" lang="en-US" altLang="ja-JP"/>
+              <a:t>TTTGGGG</a:t>
+            </a:r>
+            <a:br>
+              <a:rPr kumimoji="1" lang="en-US" altLang="ja-JP"/>
+            </a:br>
+            <a:r>
+              <a:rPr kumimoji="1" lang="en-US" altLang="ja-JP"/>
+              <a:t>333333333</a:t>
             </a:r>
             <a:endParaRPr kumimoji="1" lang="ja-JP" altLang="en-US"/>
           </a:p>

--- a/プレゼンテーション1.pptx
+++ b/プレゼンテーション1.pptx
@@ -104,6 +104,11 @@
       </a:defRPr>
     </a:lvl9pPr>
   </p:defaultTextStyle>
+  <p:extLst>
+    <p:ext uri="{EFAFB233-063F-42B5-8137-9DF3F51BA10A}">
+      <p15:sldGuideLst xmlns:p15="http://schemas.microsoft.com/office/powerpoint/2012/main"/>
+    </p:ext>
+  </p:extLst>
 </p:presentation>
 </file>
 
